--- a/PptxMultiPath2WpfShapePathSample/PptxMultiPath2WpfShapePathSample/Test.pptx
+++ b/PptxMultiPath2WpfShapePathSample/PptxMultiPath2WpfShapePathSample/Test.pptx
@@ -241,7 +241,7 @@
           <a:p>
             <a:fld id="{D997B5FA-0921-464F-AAE1-844C04324D75}" type="datetimeFigureOut">
               <a:rPr lang="zh-CN" altLang="en-US" smtClean="0"/>
-              <a:t>2021/7/7</a:t>
+              <a:t>2021/7/8</a:t>
             </a:fld>
             <a:endParaRPr lang="zh-CN" altLang="en-US"/>
           </a:p>
@@ -409,7 +409,7 @@
           <a:p>
             <a:fld id="{D997B5FA-0921-464F-AAE1-844C04324D75}" type="datetimeFigureOut">
               <a:rPr lang="zh-CN" altLang="en-US" smtClean="0"/>
-              <a:t>2021/7/7</a:t>
+              <a:t>2021/7/8</a:t>
             </a:fld>
             <a:endParaRPr lang="zh-CN" altLang="en-US"/>
           </a:p>
@@ -587,7 +587,7 @@
           <a:p>
             <a:fld id="{D997B5FA-0921-464F-AAE1-844C04324D75}" type="datetimeFigureOut">
               <a:rPr lang="zh-CN" altLang="en-US" smtClean="0"/>
-              <a:t>2021/7/7</a:t>
+              <a:t>2021/7/8</a:t>
             </a:fld>
             <a:endParaRPr lang="zh-CN" altLang="en-US"/>
           </a:p>
@@ -755,7 +755,7 @@
           <a:p>
             <a:fld id="{D997B5FA-0921-464F-AAE1-844C04324D75}" type="datetimeFigureOut">
               <a:rPr lang="zh-CN" altLang="en-US" smtClean="0"/>
-              <a:t>2021/7/7</a:t>
+              <a:t>2021/7/8</a:t>
             </a:fld>
             <a:endParaRPr lang="zh-CN" altLang="en-US"/>
           </a:p>
@@ -1000,7 +1000,7 @@
           <a:p>
             <a:fld id="{D997B5FA-0921-464F-AAE1-844C04324D75}" type="datetimeFigureOut">
               <a:rPr lang="zh-CN" altLang="en-US" smtClean="0"/>
-              <a:t>2021/7/7</a:t>
+              <a:t>2021/7/8</a:t>
             </a:fld>
             <a:endParaRPr lang="zh-CN" altLang="en-US"/>
           </a:p>
@@ -1229,7 +1229,7 @@
           <a:p>
             <a:fld id="{D997B5FA-0921-464F-AAE1-844C04324D75}" type="datetimeFigureOut">
               <a:rPr lang="zh-CN" altLang="en-US" smtClean="0"/>
-              <a:t>2021/7/7</a:t>
+              <a:t>2021/7/8</a:t>
             </a:fld>
             <a:endParaRPr lang="zh-CN" altLang="en-US"/>
           </a:p>
@@ -1593,7 +1593,7 @@
           <a:p>
             <a:fld id="{D997B5FA-0921-464F-AAE1-844C04324D75}" type="datetimeFigureOut">
               <a:rPr lang="zh-CN" altLang="en-US" smtClean="0"/>
-              <a:t>2021/7/7</a:t>
+              <a:t>2021/7/8</a:t>
             </a:fld>
             <a:endParaRPr lang="zh-CN" altLang="en-US"/>
           </a:p>
@@ -1710,7 +1710,7 @@
           <a:p>
             <a:fld id="{D997B5FA-0921-464F-AAE1-844C04324D75}" type="datetimeFigureOut">
               <a:rPr lang="zh-CN" altLang="en-US" smtClean="0"/>
-              <a:t>2021/7/7</a:t>
+              <a:t>2021/7/8</a:t>
             </a:fld>
             <a:endParaRPr lang="zh-CN" altLang="en-US"/>
           </a:p>
@@ -1805,7 +1805,7 @@
           <a:p>
             <a:fld id="{D997B5FA-0921-464F-AAE1-844C04324D75}" type="datetimeFigureOut">
               <a:rPr lang="zh-CN" altLang="en-US" smtClean="0"/>
-              <a:t>2021/7/7</a:t>
+              <a:t>2021/7/8</a:t>
             </a:fld>
             <a:endParaRPr lang="zh-CN" altLang="en-US"/>
           </a:p>
@@ -2080,7 +2080,7 @@
           <a:p>
             <a:fld id="{D997B5FA-0921-464F-AAE1-844C04324D75}" type="datetimeFigureOut">
               <a:rPr lang="zh-CN" altLang="en-US" smtClean="0"/>
-              <a:t>2021/7/7</a:t>
+              <a:t>2021/7/8</a:t>
             </a:fld>
             <a:endParaRPr lang="zh-CN" altLang="en-US"/>
           </a:p>
@@ -2332,7 +2332,7 @@
           <a:p>
             <a:fld id="{D997B5FA-0921-464F-AAE1-844C04324D75}" type="datetimeFigureOut">
               <a:rPr lang="zh-CN" altLang="en-US" smtClean="0"/>
-              <a:t>2021/7/7</a:t>
+              <a:t>2021/7/8</a:t>
             </a:fld>
             <a:endParaRPr lang="zh-CN" altLang="en-US"/>
           </a:p>
@@ -2543,7 +2543,7 @@
           <a:p>
             <a:fld id="{D997B5FA-0921-464F-AAE1-844C04324D75}" type="datetimeFigureOut">
               <a:rPr lang="zh-CN" altLang="en-US" smtClean="0"/>
-              <a:t>2021/7/7</a:t>
+              <a:t>2021/7/8</a:t>
             </a:fld>
             <a:endParaRPr lang="zh-CN" altLang="en-US"/>
           </a:p>
@@ -2950,10 +2950,10 @@
       </p:grpSpPr>
       <p:sp>
         <p:nvSpPr>
-          <p:cNvPr id="2" name="标注: 弯曲线形 1">
+          <p:cNvPr id="3" name="标注: 弯曲线形(无边框) 2">
             <a:extLst>
               <a:ext uri="{FF2B5EF4-FFF2-40B4-BE49-F238E27FC236}">
-                <a16:creationId xmlns:a16="http://schemas.microsoft.com/office/drawing/2014/main" id="{041BA098-AE03-4ED2-BB58-89BF683C6EB0}"/>
+                <a16:creationId xmlns:a16="http://schemas.microsoft.com/office/drawing/2014/main" id="{553B2AFE-CE29-431F-8142-9C571A6C7F63}"/>
               </a:ext>
             </a:extLst>
           </p:cNvPr>
@@ -2962,12 +2962,15 @@
         </p:nvSpPr>
         <p:spPr>
           <a:xfrm>
-            <a:off x="5574890" y="2566219"/>
-            <a:ext cx="2729552" cy="1828800"/>
+            <a:off x="4828674" y="2638926"/>
+            <a:ext cx="2478146" cy="1660358"/>
           </a:xfrm>
-          <a:prstGeom prst="borderCallout2">
+          <a:prstGeom prst="callout2">
             <a:avLst/>
           </a:prstGeom>
+          <a:solidFill>
+            <a:srgbClr val="4472C4"/>
+          </a:solidFill>
         </p:spPr>
         <p:style>
           <a:lnRef idx="2">
